--- a/Thuyết trình.pptx
+++ b/Thuyết trình.pptx
@@ -36,19 +36,19 @@
   <p:notesSz cx="6858000" cy="9144000"/>
   <p:embeddedFontLst>
     <p:embeddedFont>
-      <p:font typeface="Days One" panose="020B0604020202020204" charset="0"/>
+      <p:font typeface="Bebas Neue" panose="020F0502020204030204" pitchFamily="34" charset="0"/>
       <p:regular r:id="rId26"/>
     </p:embeddedFont>
     <p:embeddedFont>
-      <p:font typeface="Bebas Neue" panose="020B0604020202020204" charset="0"/>
+      <p:font typeface="Cabin" panose="020B0604020202020204" charset="0"/>
       <p:regular r:id="rId27"/>
+      <p:bold r:id="rId28"/>
+      <p:italic r:id="rId29"/>
+      <p:boldItalic r:id="rId30"/>
     </p:embeddedFont>
     <p:embeddedFont>
-      <p:font typeface="Cabin" panose="020B0604020202020204" charset="0"/>
-      <p:regular r:id="rId28"/>
-      <p:bold r:id="rId29"/>
-      <p:italic r:id="rId30"/>
-      <p:boldItalic r:id="rId31"/>
+      <p:font typeface="Days One" panose="020B0604020202020204" charset="0"/>
+      <p:regular r:id="rId31"/>
     </p:embeddedFont>
   </p:embeddedFontLst>
   <p:defaultTextStyle>
@@ -8147,7 +8147,7 @@
                 <a:hlinkClick r:id="rId2">
                   <a:extLst>
                     <a:ext uri="{A12FA001-AC4F-418D-AE19-62706E023703}">
-                      <ahyp:hlinkClr xmlns:ahyp="http://schemas.microsoft.com/office/drawing/2018/hyperlinkcolor" xmlns:p15="http://schemas.microsoft.com/office/powerpoint/2012/main" xmlns:p14="http://schemas.microsoft.com/office/powerpoint/2010/main" xmlns:com="http://schemas.openxmlformats.org/drawingml/2006/compatibility" xmlns:pvml="urn:schemas-microsoft-com:office:powerpoint" xmlns:v="urn:schemas-microsoft-com:vml" xmlns:o="urn:schemas-microsoft-com:office:office" xmlns:dgm="http://schemas.openxmlformats.org/drawingml/2006/diagram" xmlns:c="http://schemas.openxmlformats.org/drawingml/2006/chart" xmlns:mv="urn:schemas-microsoft-com:mac:vml" xmlns:mc="http://schemas.openxmlformats.org/markup-compatibility/2006" xmlns="" val="tx"/>
+                      <ahyp:hlinkClr xmlns:ahyp="http://schemas.microsoft.com/office/drawing/2018/hyperlinkcolor" val="tx"/>
                     </a:ext>
                   </a:extLst>
                 </a:hlinkClick>
@@ -8181,7 +8181,7 @@
                 <a:hlinkClick r:id="rId3">
                   <a:extLst>
                     <a:ext uri="{A12FA001-AC4F-418D-AE19-62706E023703}">
-                      <ahyp:hlinkClr xmlns:ahyp="http://schemas.microsoft.com/office/drawing/2018/hyperlinkcolor" xmlns:p15="http://schemas.microsoft.com/office/powerpoint/2012/main" xmlns:p14="http://schemas.microsoft.com/office/powerpoint/2010/main" xmlns:com="http://schemas.openxmlformats.org/drawingml/2006/compatibility" xmlns:pvml="urn:schemas-microsoft-com:office:powerpoint" xmlns:v="urn:schemas-microsoft-com:vml" xmlns:o="urn:schemas-microsoft-com:office:office" xmlns:dgm="http://schemas.openxmlformats.org/drawingml/2006/diagram" xmlns:c="http://schemas.openxmlformats.org/drawingml/2006/chart" xmlns:mv="urn:schemas-microsoft-com:mac:vml" xmlns:mc="http://schemas.openxmlformats.org/markup-compatibility/2006" xmlns="" val="tx"/>
+                      <ahyp:hlinkClr xmlns:ahyp="http://schemas.microsoft.com/office/drawing/2018/hyperlinkcolor" val="tx"/>
                     </a:ext>
                   </a:extLst>
                 </a:hlinkClick>
@@ -8227,7 +8227,7 @@
                 <a:hlinkClick r:id="rId4">
                   <a:extLst>
                     <a:ext uri="{A12FA001-AC4F-418D-AE19-62706E023703}">
-                      <ahyp:hlinkClr xmlns:ahyp="http://schemas.microsoft.com/office/drawing/2018/hyperlinkcolor" xmlns:p15="http://schemas.microsoft.com/office/powerpoint/2012/main" xmlns:p14="http://schemas.microsoft.com/office/powerpoint/2010/main" xmlns:com="http://schemas.openxmlformats.org/drawingml/2006/compatibility" xmlns:pvml="urn:schemas-microsoft-com:office:powerpoint" xmlns:v="urn:schemas-microsoft-com:vml" xmlns:o="urn:schemas-microsoft-com:office:office" xmlns:dgm="http://schemas.openxmlformats.org/drawingml/2006/diagram" xmlns:c="http://schemas.openxmlformats.org/drawingml/2006/chart" xmlns:mv="urn:schemas-microsoft-com:mac:vml" xmlns:mc="http://schemas.openxmlformats.org/markup-compatibility/2006" xmlns="" val="tx"/>
+                      <ahyp:hlinkClr xmlns:ahyp="http://schemas.microsoft.com/office/drawing/2018/hyperlinkcolor" val="tx"/>
                     </a:ext>
                   </a:extLst>
                 </a:hlinkClick>
@@ -33283,96 +33283,8 @@
               <a:buNone/>
             </a:pPr>
             <a:r>
-              <a:rPr lang="en"/>
+              <a:rPr lang="en" dirty="0"/>
               <a:t>Thanks!</a:t>
-            </a:r>
-            <a:endParaRPr/>
-          </a:p>
-        </p:txBody>
-      </p:sp>
-      <p:sp>
-        <p:nvSpPr>
-          <p:cNvPr id="883" name="Google Shape;883;p34"/>
-          <p:cNvSpPr txBox="1">
-            <a:spLocks noGrp="1"/>
-          </p:cNvSpPr>
-          <p:nvPr>
-            <p:ph type="subTitle" idx="1"/>
-          </p:nvPr>
-        </p:nvSpPr>
-        <p:spPr>
-          <a:xfrm>
-            <a:off x="715100" y="3116480"/>
-            <a:ext cx="3534900" cy="950700"/>
-          </a:xfrm>
-          <a:prstGeom prst="rect">
-            <a:avLst/>
-          </a:prstGeom>
-        </p:spPr>
-        <p:txBody>
-          <a:bodyPr spcFirstLastPara="1" wrap="square" lIns="91425" tIns="91425" rIns="91425" bIns="91425" anchor="ctr" anchorCtr="0">
-            <a:noAutofit/>
-          </a:bodyPr>
-          <a:lstStyle/>
-          <a:p>
-            <a:pPr marL="0" lvl="0" indent="0" algn="l" rtl="0">
-              <a:spcBef>
-                <a:spcPts val="0"/>
-              </a:spcBef>
-              <a:spcAft>
-                <a:spcPts val="0"/>
-              </a:spcAft>
-              <a:buClr>
-                <a:schemeClr val="dk1"/>
-              </a:buClr>
-              <a:buSzPts val="1100"/>
-              <a:buFont typeface="Arial"/>
-              <a:buNone/>
-            </a:pPr>
-            <a:r>
-              <a:rPr lang="en-US" dirty="0"/>
-              <a:t>ntdquan2012@gmai.com</a:t>
-            </a:r>
-            <a:endParaRPr dirty="0"/>
-          </a:p>
-          <a:p>
-            <a:pPr marL="0" lvl="0" indent="0" algn="l" rtl="0">
-              <a:spcBef>
-                <a:spcPts val="0"/>
-              </a:spcBef>
-              <a:spcAft>
-                <a:spcPts val="0"/>
-              </a:spcAft>
-              <a:buClr>
-                <a:schemeClr val="dk1"/>
-              </a:buClr>
-              <a:buSzPts val="1100"/>
-              <a:buFont typeface="Arial"/>
-              <a:buNone/>
-            </a:pPr>
-            <a:r>
-              <a:rPr lang="en" dirty="0"/>
-              <a:t>+84 905776151</a:t>
-            </a:r>
-            <a:endParaRPr dirty="0"/>
-          </a:p>
-          <a:p>
-            <a:pPr marL="0" lvl="0" indent="0" algn="l" rtl="0">
-              <a:spcBef>
-                <a:spcPts val="0"/>
-              </a:spcBef>
-              <a:spcAft>
-                <a:spcPts val="0"/>
-              </a:spcAft>
-              <a:buNone/>
-            </a:pPr>
-            <a:r>
-              <a:rPr lang="en-US" dirty="0" err="1"/>
-              <a:t>dinhquan.blog</a:t>
-            </a:r>
-            <a:r>
-              <a:rPr lang="en" dirty="0"/>
-              <a:t>.com</a:t>
             </a:r>
             <a:endParaRPr dirty="0"/>
           </a:p>
@@ -34671,36 +34583,6 @@
           </p:txBody>
         </p:sp>
       </p:grpSp>
-      <p:pic>
-        <p:nvPicPr>
-          <p:cNvPr id="3" name="Picture 2">
-            <a:extLst>
-              <a:ext uri="{FF2B5EF4-FFF2-40B4-BE49-F238E27FC236}">
-                <a16:creationId xmlns:a16="http://schemas.microsoft.com/office/drawing/2014/main" id="{5ECA6861-6A52-4BD8-BA95-4CD433B8BAF8}"/>
-              </a:ext>
-            </a:extLst>
-          </p:cNvPr>
-          <p:cNvPicPr>
-            <a:picLocks noChangeAspect="1"/>
-          </p:cNvPicPr>
-          <p:nvPr/>
-        </p:nvPicPr>
-        <p:blipFill>
-          <a:blip r:embed="rId3"/>
-          <a:stretch>
-            <a:fillRect/>
-          </a:stretch>
-        </p:blipFill>
-        <p:spPr>
-          <a:xfrm>
-            <a:off x="5243340" y="1737360"/>
-            <a:ext cx="3061524" cy="3061524"/>
-          </a:xfrm>
-          <a:prstGeom prst="rect">
-            <a:avLst/>
-          </a:prstGeom>
-        </p:spPr>
-      </p:pic>
     </p:spTree>
   </p:cSld>
   <p:clrMapOvr>
